--- a/Studying/Algorithms/Course work/Клочко Андрей, КС-21, Презентация.pptx
+++ b/Studying/Algorithms/Course work/Клочко Андрей, КС-21, Презентация.pptx
@@ -203,7 +203,7 @@
           <a:p>
             <a:fld id="{B7000A66-24AA-4BC3-A85D-6C6B50278913}" type="datetimeFigureOut">
               <a:rPr lang="ru-RU" smtClean="0"/>
-              <a:t>14.12.2020</a:t>
+              <a:t>15.12.2020</a:t>
             </a:fld>
             <a:endParaRPr lang="ru-RU"/>
           </a:p>
@@ -890,7 +890,7 @@
           <a:p>
             <a:fld id="{F62176C2-5DCD-4AC4-92FB-9D6829955583}" type="datetimeFigureOut">
               <a:rPr lang="ru-RU" smtClean="0"/>
-              <a:t>14.12.2020</a:t>
+              <a:t>15.12.2020</a:t>
             </a:fld>
             <a:endParaRPr lang="ru-RU"/>
           </a:p>
@@ -1978,7 +1978,7 @@
           <a:p>
             <a:fld id="{F62176C2-5DCD-4AC4-92FB-9D6829955583}" type="datetimeFigureOut">
               <a:rPr lang="ru-RU" smtClean="0"/>
-              <a:t>14.12.2020</a:t>
+              <a:t>15.12.2020</a:t>
             </a:fld>
             <a:endParaRPr lang="ru-RU"/>
           </a:p>
@@ -2958,7 +2958,7 @@
           <a:p>
             <a:fld id="{F62176C2-5DCD-4AC4-92FB-9D6829955583}" type="datetimeFigureOut">
               <a:rPr lang="ru-RU" smtClean="0"/>
-              <a:t>14.12.2020</a:t>
+              <a:t>15.12.2020</a:t>
             </a:fld>
             <a:endParaRPr lang="ru-RU"/>
           </a:p>
@@ -4092,7 +4092,7 @@
           <a:p>
             <a:fld id="{F62176C2-5DCD-4AC4-92FB-9D6829955583}" type="datetimeFigureOut">
               <a:rPr lang="ru-RU" smtClean="0"/>
-              <a:t>14.12.2020</a:t>
+              <a:t>15.12.2020</a:t>
             </a:fld>
             <a:endParaRPr lang="ru-RU"/>
           </a:p>
@@ -5125,7 +5125,7 @@
           <a:p>
             <a:fld id="{F62176C2-5DCD-4AC4-92FB-9D6829955583}" type="datetimeFigureOut">
               <a:rPr lang="ru-RU" smtClean="0"/>
-              <a:t>14.12.2020</a:t>
+              <a:t>15.12.2020</a:t>
             </a:fld>
             <a:endParaRPr lang="ru-RU"/>
           </a:p>
@@ -5785,7 +5785,7 @@
           <a:p>
             <a:fld id="{F62176C2-5DCD-4AC4-92FB-9D6829955583}" type="datetimeFigureOut">
               <a:rPr lang="ru-RU" smtClean="0"/>
-              <a:t>14.12.2020</a:t>
+              <a:t>15.12.2020</a:t>
             </a:fld>
             <a:endParaRPr lang="ru-RU"/>
           </a:p>
@@ -6646,7 +6646,7 @@
           <a:p>
             <a:fld id="{F62176C2-5DCD-4AC4-92FB-9D6829955583}" type="datetimeFigureOut">
               <a:rPr lang="ru-RU" smtClean="0"/>
-              <a:t>14.12.2020</a:t>
+              <a:t>15.12.2020</a:t>
             </a:fld>
             <a:endParaRPr lang="ru-RU"/>
           </a:p>
@@ -6836,7 +6836,7 @@
           <a:p>
             <a:fld id="{F62176C2-5DCD-4AC4-92FB-9D6829955583}" type="datetimeFigureOut">
               <a:rPr lang="ru-RU" smtClean="0"/>
-              <a:t>14.12.2020</a:t>
+              <a:t>15.12.2020</a:t>
             </a:fld>
             <a:endParaRPr lang="ru-RU"/>
           </a:p>
@@ -7808,7 +7808,7 @@
           <a:p>
             <a:fld id="{F62176C2-5DCD-4AC4-92FB-9D6829955583}" type="datetimeFigureOut">
               <a:rPr lang="ru-RU" smtClean="0"/>
-              <a:t>14.12.2020</a:t>
+              <a:t>15.12.2020</a:t>
             </a:fld>
             <a:endParaRPr lang="ru-RU"/>
           </a:p>
@@ -8019,7 +8019,7 @@
           <a:p>
             <a:fld id="{F62176C2-5DCD-4AC4-92FB-9D6829955583}" type="datetimeFigureOut">
               <a:rPr lang="ru-RU" smtClean="0"/>
-              <a:t>14.12.2020</a:t>
+              <a:t>15.12.2020</a:t>
             </a:fld>
             <a:endParaRPr lang="ru-RU"/>
           </a:p>
@@ -9053,7 +9053,7 @@
           <a:p>
             <a:fld id="{F62176C2-5DCD-4AC4-92FB-9D6829955583}" type="datetimeFigureOut">
               <a:rPr lang="ru-RU" smtClean="0"/>
-              <a:t>14.12.2020</a:t>
+              <a:t>15.12.2020</a:t>
             </a:fld>
             <a:endParaRPr lang="ru-RU"/>
           </a:p>
@@ -9325,7 +9325,7 @@
           <a:p>
             <a:fld id="{F62176C2-5DCD-4AC4-92FB-9D6829955583}" type="datetimeFigureOut">
               <a:rPr lang="ru-RU" smtClean="0"/>
-              <a:t>14.12.2020</a:t>
+              <a:t>15.12.2020</a:t>
             </a:fld>
             <a:endParaRPr lang="ru-RU"/>
           </a:p>
@@ -9735,7 +9735,7 @@
           <a:p>
             <a:fld id="{F62176C2-5DCD-4AC4-92FB-9D6829955583}" type="datetimeFigureOut">
               <a:rPr lang="ru-RU" smtClean="0"/>
-              <a:t>14.12.2020</a:t>
+              <a:t>15.12.2020</a:t>
             </a:fld>
             <a:endParaRPr lang="ru-RU"/>
           </a:p>
@@ -9862,7 +9862,7 @@
           <a:p>
             <a:fld id="{F62176C2-5DCD-4AC4-92FB-9D6829955583}" type="datetimeFigureOut">
               <a:rPr lang="ru-RU" smtClean="0"/>
-              <a:t>14.12.2020</a:t>
+              <a:t>15.12.2020</a:t>
             </a:fld>
             <a:endParaRPr lang="ru-RU"/>
           </a:p>
@@ -9957,7 +9957,7 @@
           <a:p>
             <a:fld id="{F62176C2-5DCD-4AC4-92FB-9D6829955583}" type="datetimeFigureOut">
               <a:rPr lang="ru-RU" smtClean="0"/>
-              <a:t>14.12.2020</a:t>
+              <a:t>15.12.2020</a:t>
             </a:fld>
             <a:endParaRPr lang="ru-RU"/>
           </a:p>
@@ -11038,7 +11038,7 @@
           <a:p>
             <a:fld id="{F62176C2-5DCD-4AC4-92FB-9D6829955583}" type="datetimeFigureOut">
               <a:rPr lang="ru-RU" smtClean="0"/>
-              <a:t>14.12.2020</a:t>
+              <a:t>15.12.2020</a:t>
             </a:fld>
             <a:endParaRPr lang="ru-RU"/>
           </a:p>
@@ -12146,7 +12146,7 @@
           <a:p>
             <a:fld id="{F62176C2-5DCD-4AC4-92FB-9D6829955583}" type="datetimeFigureOut">
               <a:rPr lang="ru-RU" smtClean="0"/>
-              <a:t>14.12.2020</a:t>
+              <a:t>15.12.2020</a:t>
             </a:fld>
             <a:endParaRPr lang="ru-RU"/>
           </a:p>
@@ -13143,7 +13143,7 @@
           <a:p>
             <a:fld id="{F62176C2-5DCD-4AC4-92FB-9D6829955583}" type="datetimeFigureOut">
               <a:rPr lang="ru-RU" smtClean="0"/>
-              <a:t>14.12.2020</a:t>
+              <a:t>15.12.2020</a:t>
             </a:fld>
             <a:endParaRPr lang="ru-RU"/>
           </a:p>
